--- a/Documents/Presentaties/Sprint 4 - algemeen.pptx
+++ b/Documents/Presentaties/Sprint 4 - algemeen.pptx
@@ -120,7 +120,7 @@
   </p:defaultTextStyle>
   <p:extLst>
     <p:ext uri="{EFAFB233-063F-42B5-8137-9DF3F51BA10A}">
-      <p15:sldGuideLst xmlns:p15="http://schemas.microsoft.com/office/powerpoint/2012/main" xmlns="">
+      <p15:sldGuideLst xmlns:p15="http://schemas.microsoft.com/office/powerpoint/2012/main">
         <p15:guide id="1" orient="horz" pos="2160">
           <p15:clr>
             <a:srgbClr val="A4A3A4"/>
@@ -383,7 +383,7 @@
           <a:p>
             <a:fld id="{8FD1B738-5091-4451-85B5-FBF19E0848AE}" type="datetimeFigureOut">
               <a:rPr lang="nl-NL" smtClean="0"/>
-              <a:t>14-5-2019</a:t>
+              <a:t>15-5-2019</a:t>
             </a:fld>
             <a:endParaRPr lang="nl-NL"/>
           </a:p>
@@ -600,7 +600,7 @@
           <a:p>
             <a:fld id="{8FD1B738-5091-4451-85B5-FBF19E0848AE}" type="datetimeFigureOut">
               <a:rPr lang="nl-NL" smtClean="0"/>
-              <a:t>14-5-2019</a:t>
+              <a:t>15-5-2019</a:t>
             </a:fld>
             <a:endParaRPr lang="nl-NL"/>
           </a:p>
@@ -872,7 +872,7 @@
           <a:p>
             <a:fld id="{8FD1B738-5091-4451-85B5-FBF19E0848AE}" type="datetimeFigureOut">
               <a:rPr lang="nl-NL" smtClean="0"/>
-              <a:t>14-5-2019</a:t>
+              <a:t>15-5-2019</a:t>
             </a:fld>
             <a:endParaRPr lang="nl-NL"/>
           </a:p>
@@ -1047,7 +1047,7 @@
           <a:p>
             <a:fld id="{8FD1B738-5091-4451-85B5-FBF19E0848AE}" type="datetimeFigureOut">
               <a:rPr lang="nl-NL" smtClean="0"/>
-              <a:t>14-5-2019</a:t>
+              <a:t>15-5-2019</a:t>
             </a:fld>
             <a:endParaRPr lang="nl-NL"/>
           </a:p>
@@ -1401,7 +1401,7 @@
           <a:p>
             <a:fld id="{8FD1B738-5091-4451-85B5-FBF19E0848AE}" type="datetimeFigureOut">
               <a:rPr lang="nl-NL" smtClean="0"/>
-              <a:t>14-5-2019</a:t>
+              <a:t>15-5-2019</a:t>
             </a:fld>
             <a:endParaRPr lang="nl-NL"/>
           </a:p>
@@ -1686,7 +1686,7 @@
           <a:p>
             <a:fld id="{8FD1B738-5091-4451-85B5-FBF19E0848AE}" type="datetimeFigureOut">
               <a:rPr lang="nl-NL" smtClean="0"/>
-              <a:t>14-5-2019</a:t>
+              <a:t>15-5-2019</a:t>
             </a:fld>
             <a:endParaRPr lang="nl-NL"/>
           </a:p>
@@ -2108,7 +2108,7 @@
           <a:p>
             <a:fld id="{8FD1B738-5091-4451-85B5-FBF19E0848AE}" type="datetimeFigureOut">
               <a:rPr lang="nl-NL" smtClean="0"/>
-              <a:t>14-5-2019</a:t>
+              <a:t>15-5-2019</a:t>
             </a:fld>
             <a:endParaRPr lang="nl-NL"/>
           </a:p>
@@ -2221,7 +2221,7 @@
           <a:p>
             <a:fld id="{8FD1B738-5091-4451-85B5-FBF19E0848AE}" type="datetimeFigureOut">
               <a:rPr lang="nl-NL" smtClean="0"/>
-              <a:t>14-5-2019</a:t>
+              <a:t>15-5-2019</a:t>
             </a:fld>
             <a:endParaRPr lang="nl-NL"/>
           </a:p>
@@ -2311,7 +2311,7 @@
           <a:p>
             <a:fld id="{8FD1B738-5091-4451-85B5-FBF19E0848AE}" type="datetimeFigureOut">
               <a:rPr lang="nl-NL" smtClean="0"/>
-              <a:t>14-5-2019</a:t>
+              <a:t>15-5-2019</a:t>
             </a:fld>
             <a:endParaRPr lang="nl-NL"/>
           </a:p>
@@ -2589,7 +2589,7 @@
           <a:p>
             <a:fld id="{8FD1B738-5091-4451-85B5-FBF19E0848AE}" type="datetimeFigureOut">
               <a:rPr lang="nl-NL" smtClean="0"/>
-              <a:t>14-5-2019</a:t>
+              <a:t>15-5-2019</a:t>
             </a:fld>
             <a:endParaRPr lang="nl-NL"/>
           </a:p>
@@ -2951,7 +2951,7 @@
           <a:p>
             <a:fld id="{8FD1B738-5091-4451-85B5-FBF19E0848AE}" type="datetimeFigureOut">
               <a:rPr lang="nl-NL" smtClean="0"/>
-              <a:t>14-5-2019</a:t>
+              <a:t>15-5-2019</a:t>
             </a:fld>
             <a:endParaRPr lang="nl-NL"/>
           </a:p>
@@ -3376,7 +3376,7 @@
           <a:p>
             <a:fld id="{8FD1B738-5091-4451-85B5-FBF19E0848AE}" type="datetimeFigureOut">
               <a:rPr lang="nl-NL" smtClean="0"/>
-              <a:t>14-5-2019</a:t>
+              <a:t>15-5-2019</a:t>
             </a:fld>
             <a:endParaRPr lang="nl-NL"/>
           </a:p>
@@ -3799,15 +3799,7 @@
           <a:p>
             <a:r>
               <a:rPr lang="nl-NL" dirty="0"/>
-              <a:t>Welkom bij sprintdemo </a:t>
-            </a:r>
-            <a:r>
-              <a:rPr lang="nl-NL" dirty="0" smtClean="0"/>
-              <a:t>4 </a:t>
-            </a:r>
-            <a:r>
-              <a:rPr lang="nl-NL" dirty="0"/>
-              <a:t>!</a:t>
+              <a:t>Welkom bij sprintdemo 4 !</a:t>
             </a:r>
           </a:p>
         </p:txBody>
@@ -3844,13 +3836,6 @@
   <p:clrMapOvr>
     <a:masterClrMapping/>
   </p:clrMapOvr>
-  <p:timing>
-    <p:tnLst>
-      <p:par>
-        <p:cTn id="1" dur="indefinite" restart="never" nodeType="tmRoot"/>
-      </p:par>
-    </p:tnLst>
-  </p:timing>
 </p:sld>
 </file>
 
@@ -3887,10 +3872,9 @@
           <a:lstStyle/>
           <a:p>
             <a:r>
-              <a:rPr lang="nl-NL" dirty="0" smtClean="0"/>
+              <a:rPr lang="nl-NL" dirty="0"/>
               <a:t>Demo : inhoudelijke analyse</a:t>
             </a:r>
-            <a:endParaRPr lang="nl-NL" dirty="0"/>
           </a:p>
         </p:txBody>
       </p:sp>
@@ -3923,13 +3907,6 @@
   <p:clrMapOvr>
     <a:masterClrMapping/>
   </p:clrMapOvr>
-  <p:timing>
-    <p:tnLst>
-      <p:par>
-        <p:cTn id="1" dur="indefinite" restart="never" nodeType="tmRoot"/>
-      </p:par>
-    </p:tnLst>
-  </p:timing>
 </p:sld>
 </file>
 
@@ -3966,10 +3943,9 @@
           <a:lstStyle/>
           <a:p>
             <a:r>
-              <a:rPr lang="nl-NL" dirty="0" smtClean="0"/>
+              <a:rPr lang="nl-NL" dirty="0"/>
               <a:t>Demo: ontwikkelde software</a:t>
             </a:r>
-            <a:endParaRPr lang="nl-NL" dirty="0"/>
           </a:p>
         </p:txBody>
       </p:sp>
@@ -4002,13 +3978,6 @@
   <p:clrMapOvr>
     <a:masterClrMapping/>
   </p:clrMapOvr>
-  <p:timing>
-    <p:tnLst>
-      <p:par>
-        <p:cTn id="1" dur="indefinite" restart="never" nodeType="tmRoot"/>
-      </p:par>
-    </p:tnLst>
-  </p:timing>
 </p:sld>
 </file>
 
@@ -4045,10 +4014,9 @@
           <a:lstStyle/>
           <a:p>
             <a:r>
-              <a:rPr lang="nl-NL" dirty="0" smtClean="0"/>
+              <a:rPr lang="nl-NL" dirty="0"/>
               <a:t>Hoe verder? Focus nodig!</a:t>
             </a:r>
-            <a:endParaRPr lang="nl-NL" dirty="0"/>
           </a:p>
         </p:txBody>
       </p:sp>
@@ -4071,49 +4039,26 @@
               <a:buNone/>
             </a:pPr>
             <a:r>
-              <a:rPr lang="nl-NL" u="sng" dirty="0" smtClean="0"/>
+              <a:rPr lang="nl-NL" u="sng" dirty="0"/>
               <a:t>Scenario 1</a:t>
             </a:r>
             <a:br>
-              <a:rPr lang="nl-NL" u="sng" dirty="0" smtClean="0"/>
+              <a:rPr lang="nl-NL" u="sng" dirty="0"/>
             </a:br>
-            <a:endParaRPr lang="nl-NL" u="sng" dirty="0" smtClean="0"/>
-          </a:p>
-          <a:p>
-            <a:r>
-              <a:rPr lang="nl-NL" sz="2400" dirty="0" smtClean="0"/>
+            <a:endParaRPr lang="nl-NL" u="sng" dirty="0"/>
+          </a:p>
+          <a:p>
+            <a:r>
+              <a:rPr lang="nl-NL" sz="2400" dirty="0"/>
               <a:t>Implementeren bij gemeente Haarlem</a:t>
             </a:r>
           </a:p>
           <a:p>
             <a:pPr lvl="1"/>
             <a:r>
-              <a:rPr lang="nl-NL" sz="2400" dirty="0" smtClean="0"/>
-              <a:t>Minimaal gelijkblijvende functionaliteit nodig</a:t>
-            </a:r>
-          </a:p>
-          <a:p>
-            <a:pPr lvl="1"/>
-            <a:r>
-              <a:rPr lang="nl-NL" sz="2400" dirty="0" smtClean="0"/>
-              <a:t>In </a:t>
-            </a:r>
-            <a:r>
-              <a:rPr lang="nl-NL" sz="2400" dirty="0" smtClean="0"/>
-              <a:t>productie bewijzen</a:t>
-            </a:r>
-          </a:p>
-          <a:p>
-            <a:pPr lvl="1"/>
-            <a:r>
-              <a:rPr lang="nl-NL" sz="2400" dirty="0" smtClean="0"/>
-              <a:t>Toenemende druk op Centric &amp; Pink</a:t>
-            </a:r>
-            <a:r>
-              <a:rPr lang="nl-NL" sz="2400" dirty="0" smtClean="0"/>
-              <a:t>?</a:t>
-            </a:r>
-            <a:endParaRPr lang="nl-NL" sz="2400" dirty="0"/>
+              <a:rPr lang="nl-NL" sz="2400" dirty="0"/>
+              <a:t>Minimaal gelijkblijvende functionaliteit Haarlem nodig</a:t>
+            </a:r>
           </a:p>
           <a:p>
             <a:pPr lvl="1"/>
@@ -4127,35 +4072,40 @@
             </a:r>
             <a:r>
               <a:rPr lang="nl-NL" sz="2400" dirty="0"/>
-              <a:t> (=specifiek</a:t>
-            </a:r>
-            <a:r>
-              <a:rPr lang="nl-NL" sz="2400" dirty="0" smtClean="0"/>
-              <a:t>), weinig </a:t>
-            </a:r>
-            <a:r>
-              <a:rPr lang="nl-NL" sz="2400" dirty="0" smtClean="0"/>
-              <a:t>gemeenten</a:t>
+              <a:t> (=specifiek), weinig gemeenten</a:t>
             </a:r>
           </a:p>
           <a:p>
             <a:pPr lvl="1"/>
             <a:r>
-              <a:rPr lang="nl-NL" sz="2400" dirty="0" smtClean="0"/>
+              <a:rPr lang="nl-NL" sz="2400" dirty="0"/>
+              <a:t>In productie bewijzen</a:t>
+            </a:r>
+          </a:p>
+          <a:p>
+            <a:pPr lvl="1"/>
+            <a:r>
+              <a:rPr lang="nl-NL" sz="2400" dirty="0"/>
+              <a:t>Toenemende druk op Centric &amp; Pink?</a:t>
+            </a:r>
+          </a:p>
+          <a:p>
+            <a:pPr lvl="1"/>
+            <a:r>
+              <a:rPr lang="nl-NL" sz="2400" dirty="0"/>
               <a:t>Hulp nodig van Haarlem </a:t>
             </a:r>
           </a:p>
           <a:p>
             <a:pPr lvl="1"/>
             <a:r>
-              <a:rPr lang="nl-NL" sz="2400" dirty="0" smtClean="0"/>
+              <a:rPr lang="nl-NL" sz="2400" dirty="0"/>
               <a:t>Energie gaat naar bestaande processen/systemen</a:t>
             </a:r>
-            <a:endParaRPr lang="nl-NL" sz="2400" dirty="0"/>
           </a:p>
           <a:p>
             <a:pPr lvl="1"/>
-            <a:endParaRPr lang="nl-NL" dirty="0" smtClean="0"/>
+            <a:endParaRPr lang="nl-NL" dirty="0"/>
           </a:p>
         </p:txBody>
       </p:sp>
@@ -4169,13 +4119,6 @@
   <p:clrMapOvr>
     <a:masterClrMapping/>
   </p:clrMapOvr>
-  <p:timing>
-    <p:tnLst>
-      <p:par>
-        <p:cTn id="1" dur="indefinite" restart="never" nodeType="tmRoot"/>
-      </p:par>
-    </p:tnLst>
-  </p:timing>
 </p:sld>
 </file>
 
@@ -4212,10 +4155,9 @@
           <a:lstStyle/>
           <a:p>
             <a:r>
-              <a:rPr lang="nl-NL" dirty="0" smtClean="0"/>
+              <a:rPr lang="nl-NL" dirty="0"/>
               <a:t>Hoe verder? Focus nodig!</a:t>
             </a:r>
-            <a:endParaRPr lang="nl-NL" dirty="0"/>
           </a:p>
         </p:txBody>
       </p:sp>
@@ -4239,11 +4181,7 @@
             </a:pPr>
             <a:r>
               <a:rPr lang="nl-NL" u="sng" dirty="0"/>
-              <a:t>Scenario </a:t>
-            </a:r>
-            <a:r>
-              <a:rPr lang="nl-NL" u="sng" dirty="0" smtClean="0"/>
-              <a:t>2 </a:t>
+              <a:t>Scenario 2 </a:t>
             </a:r>
           </a:p>
           <a:p>
@@ -4254,73 +4192,56 @@
           </a:p>
           <a:p>
             <a:r>
-              <a:rPr lang="nl-NL" sz="2400" dirty="0" smtClean="0"/>
+              <a:rPr lang="nl-NL" sz="2400" dirty="0"/>
               <a:t>Aansluiten op overige referentie-implementaties </a:t>
             </a:r>
             <a:br>
-              <a:rPr lang="nl-NL" sz="2400" dirty="0" smtClean="0"/>
+              <a:rPr lang="nl-NL" sz="2400" dirty="0"/>
             </a:br>
             <a:r>
-              <a:rPr lang="nl-NL" sz="2400" dirty="0" smtClean="0"/>
+              <a:rPr lang="nl-NL" sz="2400" dirty="0"/>
               <a:t>Common Ground (Zaakgericht Werken 2.0 &amp; Haal Centraal BRP)</a:t>
             </a:r>
           </a:p>
           <a:p>
             <a:pPr lvl="1"/>
             <a:r>
-              <a:rPr lang="nl-NL" sz="2400" dirty="0" smtClean="0"/>
-              <a:t>Indirecte </a:t>
-            </a:r>
-            <a:r>
-              <a:rPr lang="nl-NL" sz="2400" dirty="0" smtClean="0"/>
-              <a:t>meerwaarde voor een gemeente</a:t>
+              <a:rPr lang="nl-NL" sz="2400" dirty="0"/>
+              <a:t>Indirecte meerwaarde voor een gemeente</a:t>
             </a:r>
           </a:p>
           <a:p>
             <a:pPr lvl="1"/>
             <a:r>
-              <a:rPr lang="nl-NL" sz="2400" dirty="0" smtClean="0"/>
-              <a:t>Zeer toekomstgericht, niet richten op </a:t>
-            </a:r>
-            <a:r>
-              <a:rPr lang="nl-NL" sz="2400" dirty="0" err="1" smtClean="0"/>
+              <a:rPr lang="nl-NL" sz="2400" dirty="0"/>
+              <a:t>Zeer toekomstgericht</a:t>
+            </a:r>
+          </a:p>
+          <a:p>
+            <a:pPr lvl="1"/>
+            <a:r>
+              <a:rPr lang="nl-NL" sz="2400" dirty="0"/>
+              <a:t>Versterkt Zaakgericht Werken &amp; Haal Centraal</a:t>
+            </a:r>
+          </a:p>
+          <a:p>
+            <a:pPr lvl="1"/>
+            <a:r>
+              <a:rPr lang="nl-NL" sz="2400" dirty="0"/>
+              <a:t>Stappen af van productvisie betreffende </a:t>
+            </a:r>
+            <a:r>
+              <a:rPr lang="nl-NL" sz="2400" dirty="0" err="1"/>
               <a:t>legacy</a:t>
             </a:r>
-            <a:endParaRPr lang="nl-NL" sz="2400" dirty="0" smtClean="0"/>
+            <a:endParaRPr lang="nl-NL" sz="2400" dirty="0"/>
           </a:p>
           <a:p>
             <a:pPr lvl="1"/>
             <a:r>
               <a:rPr lang="nl-NL" sz="2400" dirty="0"/>
-              <a:t>Niet alle referentie-implementaties zijn </a:t>
-            </a:r>
-            <a:r>
-              <a:rPr lang="nl-NL" sz="2400" dirty="0" smtClean="0"/>
-              <a:t>beschikbaar</a:t>
-            </a:r>
-          </a:p>
-          <a:p>
-            <a:pPr lvl="1"/>
-            <a:r>
-              <a:rPr lang="nl-NL" sz="2400" dirty="0" smtClean="0"/>
-              <a:t>Versterkt </a:t>
-            </a:r>
-            <a:r>
-              <a:rPr lang="nl-NL" sz="2400" dirty="0" smtClean="0"/>
-              <a:t>Zaakgericht Werken &amp; Haal Centraal</a:t>
-            </a:r>
-          </a:p>
-          <a:p>
-            <a:pPr lvl="1"/>
-            <a:r>
-              <a:rPr lang="nl-NL" sz="2400" dirty="0" smtClean="0"/>
-              <a:t>Stappen af van productvisie betreffende </a:t>
-            </a:r>
-            <a:r>
-              <a:rPr lang="nl-NL" sz="2400" dirty="0" err="1" smtClean="0"/>
-              <a:t>legacy</a:t>
-            </a:r>
-            <a:endParaRPr lang="nl-NL" sz="2400" dirty="0" smtClean="0"/>
+              <a:t>Niet alle referentie-implementaties zijn beschikbaar</a:t>
+            </a:r>
           </a:p>
         </p:txBody>
       </p:sp>
@@ -4334,13 +4255,6 @@
   <p:clrMapOvr>
     <a:masterClrMapping/>
   </p:clrMapOvr>
-  <p:timing>
-    <p:tnLst>
-      <p:par>
-        <p:cTn id="1" dur="indefinite" restart="never" nodeType="tmRoot"/>
-      </p:par>
-    </p:tnLst>
-  </p:timing>
 </p:sld>
 </file>
 
@@ -4377,10 +4291,9 @@
           <a:lstStyle/>
           <a:p>
             <a:r>
-              <a:rPr lang="nl-NL" dirty="0" smtClean="0"/>
+              <a:rPr lang="nl-NL" dirty="0"/>
               <a:t>Hoe verder? Focus nodig!</a:t>
             </a:r>
-            <a:endParaRPr lang="nl-NL" dirty="0"/>
           </a:p>
         </p:txBody>
       </p:sp>
@@ -4411,11 +4324,7 @@
             </a:pPr>
             <a:r>
               <a:rPr lang="nl-NL" u="sng" dirty="0"/>
-              <a:t>Scenario </a:t>
-            </a:r>
-            <a:r>
-              <a:rPr lang="nl-NL" u="sng" dirty="0" smtClean="0"/>
-              <a:t>3 </a:t>
+              <a:t>Scenario 3 </a:t>
             </a:r>
           </a:p>
           <a:p>
@@ -4426,34 +4335,33 @@
           </a:p>
           <a:p>
             <a:r>
-              <a:rPr lang="nl-NL" sz="2400" dirty="0" smtClean="0"/>
-              <a:t>Door ontwikkelen </a:t>
-            </a:r>
-            <a:r>
-              <a:rPr lang="nl-NL" sz="2400" dirty="0" smtClean="0"/>
-              <a:t>planner en meldingenproces</a:t>
-            </a:r>
-          </a:p>
-          <a:p>
-            <a:r>
-              <a:rPr lang="nl-NL" sz="2400" dirty="0" smtClean="0"/>
+              <a:rPr lang="nl-NL" sz="2400" dirty="0" err="1"/>
+              <a:t>Doorontwikkelen</a:t>
+            </a:r>
+            <a:r>
+              <a:rPr lang="nl-NL" sz="2400" dirty="0"/>
+              <a:t> planner en meldingenproces</a:t>
+            </a:r>
+          </a:p>
+          <a:p>
+            <a:r>
+              <a:rPr lang="nl-NL" sz="2400" dirty="0"/>
               <a:t>STUF bericht als output zodat dit kan worden ingelezen in lokaal Zaaksysteem</a:t>
             </a:r>
           </a:p>
           <a:p>
             <a:pPr lvl="1"/>
             <a:r>
-              <a:rPr lang="nl-NL" sz="2400" dirty="0" smtClean="0"/>
+              <a:rPr lang="nl-NL" sz="2400" dirty="0"/>
               <a:t>Minimale variant</a:t>
             </a:r>
           </a:p>
           <a:p>
             <a:pPr lvl="1"/>
             <a:r>
-              <a:rPr lang="nl-NL" sz="2400" dirty="0" smtClean="0"/>
+              <a:rPr lang="nl-NL" sz="2400" dirty="0"/>
               <a:t>Beperkte innovatie</a:t>
             </a:r>
-            <a:endParaRPr lang="nl-NL" sz="2400" dirty="0" smtClean="0"/>
           </a:p>
           <a:p>
             <a:pPr lvl="1"/>
@@ -4465,16 +4373,8 @@
           <a:p>
             <a:pPr lvl="1"/>
             <a:r>
-              <a:rPr lang="nl-NL" sz="2400" dirty="0" smtClean="0"/>
-              <a:t>Bij </a:t>
-            </a:r>
-            <a:r>
-              <a:rPr lang="nl-NL" sz="2400" dirty="0" smtClean="0"/>
-              <a:t>veel gemeenten </a:t>
-            </a:r>
-            <a:r>
-              <a:rPr lang="nl-NL" sz="2400" dirty="0" smtClean="0"/>
-              <a:t>sneller implementeerbaar</a:t>
+              <a:rPr lang="nl-NL" sz="2400" dirty="0"/>
+              <a:t>Bij veel gemeenten sneller implementeerbaar</a:t>
             </a:r>
           </a:p>
         </p:txBody>
@@ -4489,13 +4389,6 @@
   <p:clrMapOvr>
     <a:masterClrMapping/>
   </p:clrMapOvr>
-  <p:timing>
-    <p:tnLst>
-      <p:par>
-        <p:cTn id="1" dur="indefinite" restart="never" nodeType="tmRoot"/>
-      </p:par>
-    </p:tnLst>
-  </p:timing>
 </p:sld>
 </file>
 
@@ -4532,10 +4425,9 @@
           <a:lstStyle/>
           <a:p>
             <a:r>
-              <a:rPr lang="nl-NL" dirty="0" smtClean="0"/>
+              <a:rPr lang="nl-NL" dirty="0"/>
               <a:t>Komende sprints</a:t>
             </a:r>
-            <a:endParaRPr lang="nl-NL" dirty="0"/>
           </a:p>
         </p:txBody>
       </p:sp>
@@ -4557,31 +4449,31 @@
           <a:lstStyle/>
           <a:p>
             <a:r>
-              <a:rPr lang="nl-NL" sz="2400" dirty="0" smtClean="0"/>
+              <a:rPr lang="nl-NL" sz="2400" dirty="0"/>
               <a:t>Resource-problematieken </a:t>
             </a:r>
             <a:br>
-              <a:rPr lang="nl-NL" sz="2400" dirty="0" smtClean="0"/>
+              <a:rPr lang="nl-NL" sz="2400" dirty="0"/>
             </a:br>
-            <a:endParaRPr lang="nl-NL" sz="2400" dirty="0" smtClean="0"/>
-          </a:p>
-          <a:p>
-            <a:r>
-              <a:rPr lang="nl-NL" sz="2400" dirty="0" smtClean="0"/>
+            <a:endParaRPr lang="nl-NL" sz="2400" dirty="0"/>
+          </a:p>
+          <a:p>
+            <a:r>
+              <a:rPr lang="nl-NL" sz="2400" dirty="0"/>
               <a:t>Impact van scenariokeuze op:</a:t>
             </a:r>
           </a:p>
           <a:p>
             <a:pPr lvl="1"/>
             <a:r>
-              <a:rPr lang="nl-NL" sz="2400" dirty="0" smtClean="0"/>
+              <a:rPr lang="nl-NL" sz="2400" dirty="0"/>
               <a:t>Invulling sprint 5 &amp; 6</a:t>
             </a:r>
           </a:p>
           <a:p>
             <a:pPr lvl="1"/>
             <a:r>
-              <a:rPr lang="nl-NL" sz="2400" dirty="0" smtClean="0"/>
+              <a:rPr lang="nl-NL" sz="2400" dirty="0"/>
               <a:t>Teamsamenstelling</a:t>
             </a:r>
           </a:p>
@@ -4589,24 +4481,26 @@
             <a:pPr marL="118872" indent="0">
               <a:buNone/>
             </a:pPr>
-            <a:endParaRPr lang="nl-NL" sz="2400" dirty="0" smtClean="0"/>
-          </a:p>
-          <a:p>
-            <a:r>
-              <a:rPr lang="nl-NL" sz="2400" dirty="0" smtClean="0"/>
+            <a:endParaRPr lang="nl-NL" sz="2400" dirty="0"/>
+          </a:p>
+          <a:p>
+            <a:r>
+              <a:rPr lang="nl-NL" sz="2400" dirty="0"/>
               <a:t>Wat na sprint 6 ?</a:t>
             </a:r>
             <a:br>
-              <a:rPr lang="nl-NL" sz="2400" dirty="0" smtClean="0"/>
+              <a:rPr lang="nl-NL" sz="2400" dirty="0"/>
             </a:br>
-            <a:endParaRPr lang="nl-NL" sz="2400" dirty="0" smtClean="0"/>
-          </a:p>
-          <a:p>
-            <a:r>
-              <a:rPr lang="nl-NL" sz="2400" dirty="0" smtClean="0"/>
-              <a:t>Willen wij deelnemen aan ICT Challenge BZK (met Utrecht)</a:t>
-            </a:r>
+            <a:br>
+              <a:rPr lang="nl-NL" sz="2400" dirty="0"/>
+            </a:br>
             <a:endParaRPr lang="nl-NL" sz="2400" dirty="0"/>
+          </a:p>
+          <a:p>
+            <a:r>
+              <a:rPr lang="nl-NL" sz="2400" dirty="0"/>
+              <a:t>Willen wij deelnemen aan ICT Challenge BZK? (met Utrecht)</a:t>
+            </a:r>
           </a:p>
         </p:txBody>
       </p:sp>
@@ -4620,13 +4514,6 @@
   <p:clrMapOvr>
     <a:masterClrMapping/>
   </p:clrMapOvr>
-  <p:timing>
-    <p:tnLst>
-      <p:par>
-        <p:cTn id="1" dur="indefinite" restart="never" nodeType="tmRoot"/>
-      </p:par>
-    </p:tnLst>
-  </p:timing>
 </p:sld>
 </file>
 
@@ -4663,10 +4550,9 @@
           <a:lstStyle/>
           <a:p>
             <a:r>
-              <a:rPr lang="nl-NL" dirty="0" smtClean="0"/>
+              <a:rPr lang="nl-NL" dirty="0"/>
               <a:t>Huishoudelijke mededelingen</a:t>
             </a:r>
-            <a:endParaRPr lang="nl-NL" dirty="0"/>
           </a:p>
         </p:txBody>
       </p:sp>
@@ -4686,48 +4572,37 @@
           <a:lstStyle/>
           <a:p>
             <a:r>
-              <a:rPr lang="nl-NL" sz="2400" dirty="0" smtClean="0"/>
+              <a:rPr lang="nl-NL" sz="2400" dirty="0"/>
               <a:t>Voorstelrondje</a:t>
             </a:r>
           </a:p>
           <a:p>
             <a:r>
-              <a:rPr lang="nl-NL" sz="2400" dirty="0" smtClean="0"/>
+              <a:rPr lang="nl-NL" sz="2400" dirty="0"/>
               <a:t>Livestream </a:t>
             </a:r>
-            <a:r>
-              <a:rPr lang="nl-NL" dirty="0" smtClean="0"/>
-              <a:t/>
-            </a:r>
             <a:br>
-              <a:rPr lang="nl-NL" dirty="0" smtClean="0"/>
+              <a:rPr lang="nl-NL" dirty="0"/>
             </a:br>
             <a:r>
               <a:rPr lang="nl-NL" sz="2000" u="sng" dirty="0">
                 <a:hlinkClick r:id="rId2"/>
               </a:rPr>
-              <a:t>https://channel.royalcast.com/hoorn/#!/</a:t>
-            </a:r>
-            <a:r>
-              <a:rPr lang="nl-NL" sz="2000" u="sng" dirty="0" smtClean="0">
-                <a:hlinkClick r:id="rId2"/>
-              </a:rPr>
-              <a:t>gemeentehoorn/20190515_1</a:t>
-            </a:r>
-            <a:endParaRPr lang="nl-NL" dirty="0" smtClean="0"/>
-          </a:p>
-          <a:p>
-            <a:r>
-              <a:rPr lang="nl-NL" sz="2400" dirty="0" smtClean="0"/>
+              <a:t>https://channel.royalcast.com/hoorn/#!/gemeentehoorn/20190515_1</a:t>
+            </a:r>
+            <a:endParaRPr lang="nl-NL" dirty="0"/>
+          </a:p>
+          <a:p>
+            <a:r>
+              <a:rPr lang="nl-NL" sz="2400" dirty="0"/>
               <a:t>Koffiepauze na de demo</a:t>
             </a:r>
           </a:p>
           <a:p>
             <a:r>
-              <a:rPr lang="nl-NL" sz="2400" dirty="0" smtClean="0"/>
+              <a:rPr lang="nl-NL" sz="2400" dirty="0"/>
               <a:t>Afsluiten met lunch</a:t>
             </a:r>
-            <a:endParaRPr lang="nl-NL" sz="2400" dirty="0"/>
           </a:p>
           <a:p>
             <a:endParaRPr lang="nl-NL" sz="2000" dirty="0"/>
@@ -4744,13 +4619,6 @@
   <p:clrMapOvr>
     <a:masterClrMapping/>
   </p:clrMapOvr>
-  <p:timing>
-    <p:tnLst>
-      <p:par>
-        <p:cTn id="1" dur="indefinite" restart="never" nodeType="tmRoot"/>
-      </p:par>
-    </p:tnLst>
-  </p:timing>
 </p:sld>
 </file>
 
@@ -4820,15 +4688,7 @@
             </a:pPr>
             <a:r>
               <a:rPr lang="nl-NL" sz="2400" dirty="0"/>
-              <a:t>Convenantgemeenten (Almere, Haarlem, Heerenveen, </a:t>
-            </a:r>
-            <a:r>
-              <a:rPr lang="nl-NL" sz="2400" dirty="0" smtClean="0"/>
-              <a:t>WF, Amsterdam, Zaanstad)</a:t>
-            </a:r>
-            <a:r>
-              <a:rPr lang="nl-NL" sz="2400" dirty="0"/>
-              <a:t/>
+              <a:t>Convenantgemeenten (Almere, Haarlem, Heerenveen, WF, Amsterdam, Zaanstad)</a:t>
             </a:r>
             <a:br>
               <a:rPr lang="nl-NL" sz="2400" dirty="0"/>
@@ -4928,13 +4788,6 @@
   <p:clrMapOvr>
     <a:masterClrMapping/>
   </p:clrMapOvr>
-  <p:timing>
-    <p:tnLst>
-      <p:par>
-        <p:cTn id="1" dur="indefinite" restart="never" nodeType="tmRoot"/>
-      </p:par>
-    </p:tnLst>
-  </p:timing>
 </p:sld>
 </file>
 
@@ -5010,10 +4863,6 @@
             <a:br>
               <a:rPr lang="nl-NL" sz="2400" dirty="0"/>
             </a:br>
-            <a:r>
-              <a:rPr lang="nl-NL" sz="2400" dirty="0"/>
-              <a:t/>
-            </a:r>
             <a:br>
               <a:rPr lang="nl-NL" sz="2400" dirty="0"/>
             </a:br>
@@ -5035,17 +4884,16 @@
               <a:t> met user </a:t>
             </a:r>
             <a:r>
-              <a:rPr lang="nl-NL" sz="2400" dirty="0" err="1" smtClean="0"/>
+              <a:rPr lang="nl-NL" sz="2400" dirty="0" err="1"/>
               <a:t>stories</a:t>
             </a:r>
-            <a:endParaRPr lang="nl-NL" sz="2400" dirty="0" smtClean="0"/>
-          </a:p>
-          <a:p>
-            <a:r>
-              <a:rPr lang="nl-NL" sz="2400" dirty="0" smtClean="0"/>
+            <a:endParaRPr lang="nl-NL" sz="2400" dirty="0"/>
+          </a:p>
+          <a:p>
+            <a:r>
+              <a:rPr lang="nl-NL" sz="2400" dirty="0"/>
               <a:t>1 dag per maand samen ontwikkelen</a:t>
             </a:r>
-            <a:endParaRPr lang="nl-NL" sz="2400" dirty="0"/>
           </a:p>
           <a:p>
             <a:r>
@@ -5157,13 +5005,6 @@
   <p:clrMapOvr>
     <a:masterClrMapping/>
   </p:clrMapOvr>
-  <p:timing>
-    <p:tnLst>
-      <p:par>
-        <p:cTn id="1" dur="indefinite" restart="never" nodeType="tmRoot"/>
-      </p:par>
-    </p:tnLst>
-  </p:timing>
 </p:sld>
 </file>
 
@@ -5374,13 +5215,6 @@
   <p:clrMapOvr>
     <a:masterClrMapping/>
   </p:clrMapOvr>
-  <p:timing>
-    <p:tnLst>
-      <p:par>
-        <p:cTn id="1" dur="indefinite" restart="never" nodeType="tmRoot"/>
-      </p:par>
-    </p:tnLst>
-  </p:timing>
 </p:sld>
 </file>
 
@@ -5419,10 +5253,9 @@
           <a:lstStyle/>
           <a:p>
             <a:r>
-              <a:rPr lang="nl-NL" dirty="0" smtClean="0"/>
+              <a:rPr lang="nl-NL" dirty="0"/>
               <a:t>Inhoud sprint 4</a:t>
             </a:r>
-            <a:endParaRPr lang="nl-NL" dirty="0"/>
           </a:p>
         </p:txBody>
       </p:sp>
@@ -5453,30 +5286,21 @@
           </a:p>
           <a:p>
             <a:r>
-              <a:rPr lang="nl-NL" sz="2400" dirty="0" smtClean="0"/>
-              <a:t>Herbouwen </a:t>
-            </a:r>
-            <a:r>
-              <a:rPr lang="nl-NL" sz="2400" dirty="0" smtClean="0"/>
-              <a:t>front-end (wisseling van ontwikkelaars)</a:t>
-            </a:r>
-          </a:p>
-          <a:p>
-            <a:r>
-              <a:rPr lang="nl-NL" sz="2400" dirty="0" smtClean="0"/>
+              <a:rPr lang="nl-NL" sz="2400" dirty="0"/>
+              <a:t>Herbouwen front-end (wisseling van ontwikkelaars)</a:t>
+            </a:r>
+          </a:p>
+          <a:p>
+            <a:r>
+              <a:rPr lang="nl-NL" sz="2400" dirty="0"/>
               <a:t>Koppelen van front-end aan logica</a:t>
             </a:r>
           </a:p>
           <a:p>
             <a:r>
-              <a:rPr lang="nl-NL" sz="2400" dirty="0" smtClean="0"/>
-              <a:t>BRP bevraging via </a:t>
-            </a:r>
-            <a:r>
-              <a:rPr lang="nl-NL" sz="2400" dirty="0" smtClean="0"/>
-              <a:t>NLX</a:t>
-            </a:r>
-            <a:endParaRPr lang="nl-NL" sz="2400" dirty="0"/>
+              <a:rPr lang="nl-NL" sz="2400" dirty="0"/>
+              <a:t>BRP bevraging via NLX</a:t>
+            </a:r>
           </a:p>
         </p:txBody>
       </p:sp>
@@ -5490,13 +5314,6 @@
   <p:clrMapOvr>
     <a:masterClrMapping/>
   </p:clrMapOvr>
-  <p:timing>
-    <p:tnLst>
-      <p:par>
-        <p:cTn id="1" dur="indefinite" restart="never" nodeType="tmRoot"/>
-      </p:par>
-    </p:tnLst>
-  </p:timing>
 </p:sld>
 </file>
 
@@ -5533,10 +5350,9 @@
           <a:lstStyle/>
           <a:p>
             <a:r>
-              <a:rPr lang="nl-NL" dirty="0" smtClean="0"/>
+              <a:rPr lang="nl-NL" dirty="0"/>
               <a:t>Proces sprint 4</a:t>
             </a:r>
-            <a:endParaRPr lang="nl-NL" dirty="0"/>
           </a:p>
         </p:txBody>
       </p:sp>
@@ -5563,67 +5379,63 @@
           <a:lstStyle/>
           <a:p>
             <a:r>
-              <a:rPr lang="nl-NL" sz="2400" dirty="0" smtClean="0"/>
+              <a:rPr lang="nl-NL" sz="2400" dirty="0"/>
               <a:t>Vakantieperikelen</a:t>
             </a:r>
           </a:p>
           <a:p>
             <a:r>
-              <a:rPr lang="nl-NL" sz="2400" dirty="0" smtClean="0"/>
+              <a:rPr lang="nl-NL" sz="2400" dirty="0"/>
               <a:t>Discussie  over en belemmeringen op databronnen</a:t>
             </a:r>
           </a:p>
           <a:p>
             <a:r>
-              <a:rPr lang="nl-NL" sz="2400" dirty="0" smtClean="0"/>
+              <a:rPr lang="nl-NL" sz="2400" dirty="0"/>
               <a:t>Wisseling van front-end </a:t>
             </a:r>
             <a:r>
-              <a:rPr lang="nl-NL" sz="2400" dirty="0" err="1" smtClean="0"/>
+              <a:rPr lang="nl-NL" sz="2400" dirty="0" err="1"/>
               <a:t>developpers</a:t>
             </a:r>
-            <a:endParaRPr lang="nl-NL" sz="2400" dirty="0" smtClean="0"/>
-          </a:p>
-          <a:p>
-            <a:r>
-              <a:rPr lang="nl-NL" sz="2400" dirty="0" smtClean="0"/>
-              <a:t>Besloten </a:t>
-            </a:r>
-            <a:r>
-              <a:rPr lang="nl-NL" sz="2400" dirty="0" smtClean="0"/>
-              <a:t>dat er twee zaaktypen zijn </a:t>
+            <a:endParaRPr lang="nl-NL" sz="2400" dirty="0"/>
+          </a:p>
+          <a:p>
+            <a:r>
+              <a:rPr lang="nl-NL" sz="2400" dirty="0"/>
+              <a:t>Besloten dat er twee zaaktypen zijn </a:t>
             </a:r>
             <a:br>
-              <a:rPr lang="nl-NL" sz="2400" dirty="0" smtClean="0"/>
+              <a:rPr lang="nl-NL" sz="2400" dirty="0"/>
             </a:br>
             <a:r>
-              <a:rPr lang="nl-NL" sz="2400" dirty="0" smtClean="0"/>
+              <a:rPr lang="nl-NL" sz="2400" dirty="0"/>
               <a:t>(reservering &amp; melding huwelijk)</a:t>
             </a:r>
           </a:p>
           <a:p>
             <a:r>
-              <a:rPr lang="nl-NL" sz="2400" dirty="0" smtClean="0"/>
+              <a:rPr lang="nl-NL" sz="2400" dirty="0"/>
               <a:t>Aansluiten op </a:t>
             </a:r>
             <a:r>
-              <a:rPr lang="nl-NL" sz="2400" dirty="0" err="1" smtClean="0"/>
+              <a:rPr lang="nl-NL" sz="2400" dirty="0" err="1"/>
               <a:t>legacy</a:t>
             </a:r>
             <a:r>
-              <a:rPr lang="nl-NL" sz="2400" dirty="0" smtClean="0"/>
+              <a:rPr lang="nl-NL" sz="2400" dirty="0"/>
               <a:t> blijft maatwerk, willen we dat?</a:t>
             </a:r>
           </a:p>
           <a:p>
             <a:r>
-              <a:rPr lang="nl-NL" sz="2400" dirty="0" smtClean="0"/>
+              <a:rPr lang="nl-NL" sz="2400" dirty="0"/>
               <a:t>Neiging aan de “voorkant” te blijven ontwikkelen</a:t>
             </a:r>
           </a:p>
           <a:p>
             <a:r>
-              <a:rPr lang="nl-NL" sz="2400" dirty="0" smtClean="0"/>
+              <a:rPr lang="nl-NL" sz="2400" dirty="0"/>
               <a:t>Focus nodig : waar ontwikkelen we naar toe?</a:t>
             </a:r>
           </a:p>
@@ -5639,13 +5451,6 @@
   <p:clrMapOvr>
     <a:masterClrMapping/>
   </p:clrMapOvr>
-  <p:timing>
-    <p:tnLst>
-      <p:par>
-        <p:cTn id="1" dur="indefinite" restart="never" nodeType="tmRoot"/>
-      </p:par>
-    </p:tnLst>
-  </p:timing>
 </p:sld>
 </file>
 
@@ -5717,14 +5522,14 @@
                 <a:gridCol w="1090464">
                   <a:extLst>
                     <a:ext uri="{9D8B030D-6E8A-4147-A177-3AD203B41FA5}">
-                      <a16:colId xmlns:a16="http://schemas.microsoft.com/office/drawing/2014/main" xmlns="" val="20000"/>
+                      <a16:colId xmlns:a16="http://schemas.microsoft.com/office/drawing/2014/main" val="20000"/>
                     </a:ext>
                   </a:extLst>
                 </a:gridCol>
                 <a:gridCol w="7139136">
                   <a:extLst>
                     <a:ext uri="{9D8B030D-6E8A-4147-A177-3AD203B41FA5}">
-                      <a16:colId xmlns:a16="http://schemas.microsoft.com/office/drawing/2014/main" xmlns="" val="20001"/>
+                      <a16:colId xmlns:a16="http://schemas.microsoft.com/office/drawing/2014/main" val="20001"/>
                     </a:ext>
                   </a:extLst>
                 </a:gridCol>
@@ -5758,7 +5563,7 @@
                 </a:tc>
                 <a:extLst>
                   <a:ext uri="{0D108BD9-81ED-4DB2-BD59-A6C34878D82A}">
-                    <a16:rowId xmlns:a16="http://schemas.microsoft.com/office/drawing/2014/main" xmlns="" val="10000"/>
+                    <a16:rowId xmlns:a16="http://schemas.microsoft.com/office/drawing/2014/main" val="10000"/>
                   </a:ext>
                 </a:extLst>
               </a:tr>
@@ -5791,7 +5596,7 @@
                 </a:tc>
                 <a:extLst>
                   <a:ext uri="{0D108BD9-81ED-4DB2-BD59-A6C34878D82A}">
-                    <a16:rowId xmlns:a16="http://schemas.microsoft.com/office/drawing/2014/main" xmlns="" val="10001"/>
+                    <a16:rowId xmlns:a16="http://schemas.microsoft.com/office/drawing/2014/main" val="10001"/>
                   </a:ext>
                 </a:extLst>
               </a:tr>
@@ -5829,7 +5634,7 @@
                 </a:tc>
                 <a:extLst>
                   <a:ext uri="{0D108BD9-81ED-4DB2-BD59-A6C34878D82A}">
-                    <a16:rowId xmlns:a16="http://schemas.microsoft.com/office/drawing/2014/main" xmlns="" val="10002"/>
+                    <a16:rowId xmlns:a16="http://schemas.microsoft.com/office/drawing/2014/main" val="10002"/>
                   </a:ext>
                 </a:extLst>
               </a:tr>
@@ -5862,7 +5667,7 @@
                 </a:tc>
                 <a:extLst>
                   <a:ext uri="{0D108BD9-81ED-4DB2-BD59-A6C34878D82A}">
-                    <a16:rowId xmlns:a16="http://schemas.microsoft.com/office/drawing/2014/main" xmlns="" val="10003"/>
+                    <a16:rowId xmlns:a16="http://schemas.microsoft.com/office/drawing/2014/main" val="10003"/>
                   </a:ext>
                 </a:extLst>
               </a:tr>
@@ -5886,17 +5691,16 @@
                     <a:lstStyle/>
                     <a:p>
                       <a:r>
-                        <a:rPr lang="nl-NL" dirty="0" smtClean="0"/>
+                        <a:rPr lang="nl-NL" dirty="0"/>
                         <a:t>Front-end en koppeling met logica en koppeling met databron</a:t>
                       </a:r>
-                      <a:endParaRPr lang="nl-NL" dirty="0"/>
                     </a:p>
                   </a:txBody>
                   <a:tcPr/>
                 </a:tc>
                 <a:extLst>
                   <a:ext uri="{0D108BD9-81ED-4DB2-BD59-A6C34878D82A}">
-                    <a16:rowId xmlns:a16="http://schemas.microsoft.com/office/drawing/2014/main" xmlns="" val="10004"/>
+                    <a16:rowId xmlns:a16="http://schemas.microsoft.com/office/drawing/2014/main" val="10004"/>
                   </a:ext>
                 </a:extLst>
               </a:tr>
@@ -5937,17 +5741,16 @@
                         <a:defRPr/>
                       </a:pPr>
                       <a:r>
-                        <a:rPr lang="nl-NL" dirty="0" smtClean="0"/>
+                        <a:rPr lang="nl-NL" dirty="0"/>
                         <a:t>…. .</a:t>
                       </a:r>
-                      <a:endParaRPr lang="nl-NL" dirty="0"/>
                     </a:p>
                   </a:txBody>
                   <a:tcPr/>
                 </a:tc>
                 <a:extLst>
                   <a:ext uri="{0D108BD9-81ED-4DB2-BD59-A6C34878D82A}">
-                    <a16:rowId xmlns:a16="http://schemas.microsoft.com/office/drawing/2014/main" xmlns="" val="10005"/>
+                    <a16:rowId xmlns:a16="http://schemas.microsoft.com/office/drawing/2014/main" val="10005"/>
                   </a:ext>
                 </a:extLst>
               </a:tr>
@@ -5971,17 +5774,16 @@
                     <a:lstStyle/>
                     <a:p>
                       <a:r>
-                        <a:rPr lang="nl-NL" dirty="0" smtClean="0"/>
+                        <a:rPr lang="nl-NL" dirty="0"/>
                         <a:t>……</a:t>
                       </a:r>
-                      <a:endParaRPr lang="nl-NL" dirty="0"/>
                     </a:p>
                   </a:txBody>
                   <a:tcPr/>
                 </a:tc>
                 <a:extLst>
                   <a:ext uri="{0D108BD9-81ED-4DB2-BD59-A6C34878D82A}">
-                    <a16:rowId xmlns:a16="http://schemas.microsoft.com/office/drawing/2014/main" xmlns="" val="10006"/>
+                    <a16:rowId xmlns:a16="http://schemas.microsoft.com/office/drawing/2014/main" val="10006"/>
                   </a:ext>
                 </a:extLst>
               </a:tr>
@@ -5994,7 +5796,7 @@
           <p:cNvPr id="3" name="Tekstvak 2">
             <a:extLst>
               <a:ext uri="{FF2B5EF4-FFF2-40B4-BE49-F238E27FC236}">
-                <a16:creationId xmlns:a16="http://schemas.microsoft.com/office/drawing/2014/main" xmlns="" id="{2F19A146-AB81-4227-AA6F-FF2222B718F0}"/>
+                <a16:creationId xmlns:a16="http://schemas.microsoft.com/office/drawing/2014/main" id="{2F19A146-AB81-4227-AA6F-FF2222B718F0}"/>
               </a:ext>
             </a:extLst>
           </p:cNvPr>
@@ -6034,13 +5836,6 @@
   <p:clrMapOvr>
     <a:masterClrMapping/>
   </p:clrMapOvr>
-  <p:timing>
-    <p:tnLst>
-      <p:par>
-        <p:cTn id="1" dur="indefinite" restart="never" nodeType="tmRoot"/>
-      </p:par>
-    </p:tnLst>
-  </p:timing>
 </p:sld>
 </file>
 
@@ -6109,60 +5904,55 @@
               <a:rPr lang="nl-NL" sz="2400" u="sng" dirty="0"/>
               <a:t>Demo : </a:t>
             </a:r>
-            <a:r>
-              <a:rPr lang="nl-NL" sz="2400" u="sng" dirty="0" smtClean="0"/>
-              <a:t/>
-            </a:r>
             <a:br>
-              <a:rPr lang="nl-NL" sz="2400" u="sng" dirty="0" smtClean="0"/>
-            </a:br>
-            <a:endParaRPr lang="nl-NL" sz="2400" u="sng" dirty="0" smtClean="0"/>
-          </a:p>
-          <a:p>
-            <a:r>
-              <a:rPr lang="nl-NL" sz="2400" dirty="0" smtClean="0"/>
-              <a:t>Interactief !</a:t>
-            </a:r>
-          </a:p>
-          <a:p>
-            <a:r>
-              <a:rPr lang="nl-NL" sz="2400" dirty="0" smtClean="0"/>
-              <a:t>Architectuur : waar staan we nu</a:t>
-            </a:r>
-            <a:r>
-              <a:rPr lang="nl-NL" sz="2400" dirty="0" smtClean="0"/>
-              <a:t>?</a:t>
-            </a:r>
-          </a:p>
-          <a:p>
-            <a:r>
-              <a:rPr lang="nl-NL" sz="2400" dirty="0" smtClean="0"/>
-              <a:t>Demo inhoudelijke analyse</a:t>
-            </a:r>
-            <a:endParaRPr lang="nl-NL" sz="2400" dirty="0" smtClean="0"/>
-          </a:p>
-          <a:p>
-            <a:r>
-              <a:rPr lang="nl-NL" sz="2400" dirty="0" smtClean="0"/>
-              <a:t>Demo van ontwikkelde software</a:t>
-            </a:r>
-          </a:p>
-          <a:p>
-            <a:r>
-              <a:rPr lang="nl-NL" sz="2400" dirty="0" smtClean="0"/>
-              <a:t>Keuzes maken hoe verder</a:t>
-            </a:r>
-            <a:br>
-              <a:rPr lang="nl-NL" sz="2400" dirty="0" smtClean="0"/>
-            </a:br>
-            <a:r>
-              <a:rPr lang="nl-NL" sz="2400" dirty="0"/>
-              <a:t/>
-            </a:r>
-            <a:br>
-              <a:rPr lang="nl-NL" sz="2400" dirty="0"/>
+              <a:rPr lang="nl-NL" sz="2400" u="sng" dirty="0"/>
             </a:br>
             <a:endParaRPr lang="nl-NL" sz="2400" u="sng" dirty="0"/>
+          </a:p>
+          <a:p>
+            <a:r>
+              <a:rPr lang="nl-NL" sz="2400" dirty="0"/>
+              <a:t>Interactief</a:t>
+            </a:r>
+          </a:p>
+          <a:p>
+            <a:r>
+              <a:rPr lang="nl-NL" sz="2400" dirty="0"/>
+              <a:t>Demo inhoudelijke analyse</a:t>
+            </a:r>
+          </a:p>
+          <a:p>
+            <a:r>
+              <a:rPr lang="nl-NL" sz="2400" dirty="0"/>
+              <a:t>Demo ontwikkelde software</a:t>
+            </a:r>
+          </a:p>
+          <a:p>
+            <a:r>
+              <a:rPr lang="nl-NL" sz="2400" dirty="0"/>
+              <a:t>Hoe verder?</a:t>
+            </a:r>
+          </a:p>
+          <a:p>
+            <a:pPr lvl="1"/>
+            <a:r>
+              <a:rPr lang="nl-NL" sz="2000" dirty="0"/>
+              <a:t>Inhoudelijk 3 scenario’s</a:t>
+            </a:r>
+          </a:p>
+          <a:p>
+            <a:pPr lvl="1"/>
+            <a:r>
+              <a:rPr lang="nl-NL" sz="2000" dirty="0"/>
+              <a:t>Teamsamenstelling &amp; capaciteit</a:t>
+            </a:r>
+            <a:br>
+              <a:rPr lang="nl-NL" sz="2000" dirty="0"/>
+            </a:br>
+            <a:br>
+              <a:rPr lang="nl-NL" sz="2000" dirty="0"/>
+            </a:br>
+            <a:endParaRPr lang="nl-NL" sz="2000" u="sng" dirty="0"/>
           </a:p>
         </p:txBody>
       </p:sp>
@@ -6176,13 +5966,6 @@
   <p:clrMapOvr>
     <a:masterClrMapping/>
   </p:clrMapOvr>
-  <p:timing>
-    <p:tnLst>
-      <p:par>
-        <p:cTn id="1" dur="indefinite" restart="never" nodeType="tmRoot"/>
-      </p:par>
-    </p:tnLst>
-  </p:timing>
 </p:sld>
 </file>
 
